--- a/Mini Project/PPT/IOT Presentation Final.pptx
+++ b/Mini Project/PPT/IOT Presentation Final.pptx
@@ -13542,7 +13542,7 @@
                 <a:cs typeface="Times New Roman"/>
                 <a:sym typeface="Times New Roman"/>
               </a:rPr>
-              <a:t>Develops a user-friendly web interface with a real-time dashboard for visualizing sensor data. Provides stakeholders with access to real-time monitoring of storage conditions, enabling remote management and decision-making. </a:t>
+              <a:t>Develops a user-friendly web interface with a real-time dashboard for visualizing sensor data. Provides stakeholders with access to real-time monitoring of storage conditions, enabling remote management and decision-making along with Inventory Management of Pharmaceutical Storage Unit. </a:t>
             </a:r>
             <a:endParaRPr/>
           </a:p>
@@ -13601,6 +13601,76 @@
                 <a:sym typeface="Times New Roman"/>
               </a:rPr>
               <a:t>Integrates the data processing and alerting functionalities with the web application to ensure seamless communication and data display. Enables synchronization between the monitoring system and the dashboard for immediate updates.</a:t>
+            </a:r>
+            <a:endParaRPr sz="2000">
+              <a:latin typeface="Times New Roman"/>
+              <a:ea typeface="Times New Roman"/>
+              <a:cs typeface="Times New Roman"/>
+              <a:sym typeface="Times New Roman"/>
+            </a:endParaRPr>
+          </a:p>
+          <a:p>
+            <a:pPr indent="-482600" lvl="0" marL="469900" rtl="0" algn="just">
+              <a:spcBef>
+                <a:spcPts val="1600"/>
+              </a:spcBef>
+              <a:spcAft>
+                <a:spcPts val="0"/>
+              </a:spcAft>
+              <a:buSzPts val="2000"/>
+              <a:buChar char="□"/>
+            </a:pPr>
+            <a:r>
+              <a:rPr b="1" lang="en-IN" sz="2000">
+                <a:latin typeface="Times New Roman"/>
+                <a:ea typeface="Times New Roman"/>
+                <a:cs typeface="Times New Roman"/>
+                <a:sym typeface="Times New Roman"/>
+              </a:rPr>
+              <a:t>EMAIL MODULE</a:t>
+            </a:r>
+            <a:r>
+              <a:rPr b="1" lang="en-IN" sz="2000">
+                <a:solidFill>
+                  <a:srgbClr val="434343"/>
+                </a:solidFill>
+                <a:latin typeface="Times New Roman"/>
+                <a:ea typeface="Times New Roman"/>
+                <a:cs typeface="Times New Roman"/>
+                <a:sym typeface="Times New Roman"/>
+              </a:rPr>
+              <a:t> : </a:t>
+            </a:r>
+            <a:r>
+              <a:rPr lang="en-IN" sz="2000">
+                <a:latin typeface="Times New Roman"/>
+                <a:ea typeface="Times New Roman"/>
+                <a:cs typeface="Times New Roman"/>
+                <a:sym typeface="Times New Roman"/>
+              </a:rPr>
+              <a:t>Email module sends the email intimation to stakeholders daily to update them of the status of medicines stored in the database. Email intimation is sent to the user when there is change in the detected value from sensors that does not lie in the permitted range for the storage of specific medicines</a:t>
+            </a:r>
+            <a:endParaRPr sz="2000">
+              <a:latin typeface="Times New Roman"/>
+              <a:ea typeface="Times New Roman"/>
+              <a:cs typeface="Times New Roman"/>
+              <a:sym typeface="Times New Roman"/>
+            </a:endParaRPr>
+          </a:p>
+          <a:p>
+            <a:pPr indent="-469900" lvl="0" marL="469900" rtl="0" algn="just">
+              <a:spcBef>
+                <a:spcPts val="1600"/>
+              </a:spcBef>
+              <a:spcAft>
+                <a:spcPts val="0"/>
+              </a:spcAft>
+              <a:buSzPts val="2000"/>
+              <a:buFont typeface="Times New Roman"/>
+              <a:buChar char="□"/>
+            </a:pPr>
+            <a:r>
+              <a:t/>
             </a:r>
             <a:endParaRPr sz="2000">
               <a:latin typeface="Times New Roman"/>
@@ -16938,7 +17008,7 @@
                 <a:cs typeface="Times New Roman"/>
                 <a:sym typeface="Times New Roman"/>
               </a:rPr>
-              <a:t>proposed work is an IOT enabled React based web application that utilizes nodeMCU for communication between the web application and the Wi-Fi module.</a:t>
+              <a:t>proposed work is an IOT enabled React based web application that utilizes NodeMCU for communication with the web application.</a:t>
             </a:r>
             <a:endParaRPr sz="2200">
               <a:latin typeface="Times New Roman"/>
@@ -16986,7 +17056,7 @@
                 <a:cs typeface="Times New Roman"/>
                 <a:sym typeface="Times New Roman"/>
               </a:rPr>
-              <a:t>The data obtained from the sensors is stored in PostgreSQL database and is rendered to the frontend via React and MUI. The Express module hosts the server to handle the data transfer requests and manipulation.</a:t>
+              <a:t>The data obtained from the sensors is stored in PostgreSQL database and is rendered to the frontend via React and MUI. The Express library hosts the server with the RESTFUL API to handle the data transfer requests and manipulation.</a:t>
             </a:r>
             <a:endParaRPr sz="2200">
               <a:latin typeface="Times New Roman"/>
@@ -17034,7 +17104,7 @@
                 <a:cs typeface="Times New Roman"/>
                 <a:sym typeface="Times New Roman"/>
               </a:rPr>
-              <a:t>The main component used includes ESP8266-12E NodeMCU is connected to a collection of other sensors such as DHT11 for temperature and humidity which reads the data from the sensors and stores the data  in a database..</a:t>
+              <a:t>The main component used includes ESP8266-12E NodeMCU is connected to a collection of other sensors such as DHT11 for temperature and humidity  and BH-1750 for Light Intensity which reads the data from the sensors and stores the sends it to the server.</a:t>
             </a:r>
             <a:endParaRPr sz="2200">
               <a:latin typeface="Times New Roman"/>
@@ -17512,7 +17582,7 @@
                 <a:cs typeface="Times New Roman"/>
                 <a:sym typeface="Times New Roman"/>
               </a:rPr>
-              <a:t>Responsible for interfacing with the hardware module to collect real-time data from the sensors and storing the data into the database. Utilizes http communication protocols to ensure accurate and reliable data transmission. Implements algorithms to analyze the data and identify deviations from predefined thresholds.</a:t>
+              <a:t>Responsible for interfacing with the hardware module to collect real-time data from the sensors and storing the data into the database. Utilizes HTTP communication protocols to ensure accurate and reliable data transmission. Implements algorithms to analyze the data and identify deviations from predefined thresholds.</a:t>
             </a:r>
             <a:endParaRPr sz="2000">
               <a:latin typeface="Times New Roman"/>
@@ -17549,7 +17619,7 @@
                 <a:cs typeface="Times New Roman"/>
                 <a:sym typeface="Times New Roman"/>
               </a:rPr>
-              <a:t>  : Monitors processed sensor data for any deviations from acceptable ranges. Triggers alerts (e.g., email, push notifications) to notify administrator when deviations are detected, ensuring timely intervention to prevent damage to pharmaceutical products.</a:t>
+              <a:t>  : Monitors processed sensor data for any deviations from acceptable ranges. Triggers alerts (e.g., Email, Buzzer) to notify administrator when deviations are detected, ensuring timely intervention to prevent damage to pharmaceutical products.</a:t>
             </a:r>
             <a:endParaRPr sz="2000">
               <a:latin typeface="Times New Roman"/>
@@ -17673,6 +17743,285 @@
 </file>
 
 <file path=ppt/theme/theme1.xml><?xml version="1.0" encoding="utf-8"?>
+<a:theme xmlns:a="http://schemas.openxmlformats.org/drawingml/2006/main" xmlns:r="http://schemas.openxmlformats.org/officeDocument/2006/relationships" name="Profile">
+  <a:themeElements>
+    <a:clrScheme name="Profile 9">
+      <a:dk1>
+        <a:srgbClr val="000000"/>
+      </a:dk1>
+      <a:lt1>
+        <a:srgbClr val="FFFFFF"/>
+      </a:lt1>
+      <a:dk2>
+        <a:srgbClr val="000000"/>
+      </a:dk2>
+      <a:lt2>
+        <a:srgbClr val="DDDDDD"/>
+      </a:lt2>
+      <a:accent1>
+        <a:srgbClr val="A3B2C1"/>
+      </a:accent1>
+      <a:accent2>
+        <a:srgbClr val="CC0000"/>
+      </a:accent2>
+      <a:accent3>
+        <a:srgbClr val="FFFFFF"/>
+      </a:accent3>
+      <a:accent4>
+        <a:srgbClr val="000000"/>
+      </a:accent4>
+      <a:accent5>
+        <a:srgbClr val="CED5DD"/>
+      </a:accent5>
+      <a:accent6>
+        <a:srgbClr val="B90000"/>
+      </a:accent6>
+      <a:hlink>
+        <a:srgbClr val="336699"/>
+      </a:hlink>
+      <a:folHlink>
+        <a:srgbClr val="003366"/>
+      </a:folHlink>
+    </a:clrScheme>
+    <a:fontScheme name="Office">
+      <a:majorFont>
+        <a:latin typeface="Arial"/>
+        <a:ea typeface=""/>
+        <a:cs typeface=""/>
+        <a:font script="Jpan" typeface="ＭＳ Ｐゴシック"/>
+        <a:font script="Hang" typeface="맑은 고딕"/>
+        <a:font script="Hans" typeface="宋体"/>
+        <a:font script="Hant" typeface="新細明體"/>
+        <a:font script="Arab" typeface="Times New Roman"/>
+        <a:font script="Hebr" typeface="Times New Roman"/>
+        <a:font script="Thai" typeface="Angsana New"/>
+        <a:font script="Ethi" typeface="Nyala"/>
+        <a:font script="Beng" typeface="Vrinda"/>
+        <a:font script="Gujr" typeface="Shruti"/>
+        <a:font script="Khmr" typeface="MoolBoran"/>
+        <a:font script="Knda" typeface="Tunga"/>
+        <a:font script="Guru" typeface="Raavi"/>
+        <a:font script="Cans" typeface="Euphemia"/>
+        <a:font script="Cher" typeface="Plantagenet Cherokee"/>
+        <a:font script="Yiii" typeface="Microsoft Yi Baiti"/>
+        <a:font script="Tibt" typeface="Microsoft Himalaya"/>
+        <a:font script="Thaa" typeface="MV Boli"/>
+        <a:font script="Deva" typeface="Mangal"/>
+        <a:font script="Telu" typeface="Gautami"/>
+        <a:font script="Taml" typeface="Latha"/>
+        <a:font script="Syrc" typeface="Estrangelo Edessa"/>
+        <a:font script="Orya" typeface="Kalinga"/>
+        <a:font script="Mlym" typeface="Kartika"/>
+        <a:font script="Laoo" typeface="DokChampa"/>
+        <a:font script="Sinh" typeface="Iskoola Pota"/>
+        <a:font script="Mong" typeface="Mongolian Baiti"/>
+        <a:font script="Viet" typeface="Times New Roman"/>
+        <a:font script="Uigh" typeface="Microsoft Uighur"/>
+        <a:font script="Geor" typeface="Sylfaen"/>
+      </a:majorFont>
+      <a:minorFont>
+        <a:latin typeface="Arial"/>
+        <a:ea typeface=""/>
+        <a:cs typeface=""/>
+        <a:font script="Jpan" typeface="ＭＳ Ｐゴシック"/>
+        <a:font script="Hang" typeface="맑은 고딕"/>
+        <a:font script="Hans" typeface="宋体"/>
+        <a:font script="Hant" typeface="新細明體"/>
+        <a:font script="Arab" typeface="Arial"/>
+        <a:font script="Hebr" typeface="Arial"/>
+        <a:font script="Thai" typeface="Cordia New"/>
+        <a:font script="Ethi" typeface="Nyala"/>
+        <a:font script="Beng" typeface="Vrinda"/>
+        <a:font script="Gujr" typeface="Shruti"/>
+        <a:font script="Khmr" typeface="DaunPenh"/>
+        <a:font script="Knda" typeface="Tunga"/>
+        <a:font script="Guru" typeface="Raavi"/>
+        <a:font script="Cans" typeface="Euphemia"/>
+        <a:font script="Cher" typeface="Plantagenet Cherokee"/>
+        <a:font script="Yiii" typeface="Microsoft Yi Baiti"/>
+        <a:font script="Tibt" typeface="Microsoft Himalaya"/>
+        <a:font script="Thaa" typeface="MV Boli"/>
+        <a:font script="Deva" typeface="Mangal"/>
+        <a:font script="Telu" typeface="Gautami"/>
+        <a:font script="Taml" typeface="Latha"/>
+        <a:font script="Syrc" typeface="Estrangelo Edessa"/>
+        <a:font script="Orya" typeface="Kalinga"/>
+        <a:font script="Mlym" typeface="Kartika"/>
+        <a:font script="Laoo" typeface="DokChampa"/>
+        <a:font script="Sinh" typeface="Iskoola Pota"/>
+        <a:font script="Mong" typeface="Mongolian Baiti"/>
+        <a:font script="Viet" typeface="Arial"/>
+        <a:font script="Uigh" typeface="Microsoft Uighur"/>
+        <a:font script="Geor" typeface="Sylfaen"/>
+      </a:minorFont>
+    </a:fontScheme>
+    <a:fmtScheme name="Office">
+      <a:fillStyleLst>
+        <a:solidFill>
+          <a:schemeClr val="phClr"/>
+        </a:solidFill>
+        <a:gradFill rotWithShape="1">
+          <a:gsLst>
+            <a:gs pos="0">
+              <a:schemeClr val="phClr">
+                <a:tint val="50000"/>
+                <a:satMod val="300000"/>
+              </a:schemeClr>
+            </a:gs>
+            <a:gs pos="35000">
+              <a:schemeClr val="phClr">
+                <a:tint val="37000"/>
+                <a:satMod val="300000"/>
+              </a:schemeClr>
+            </a:gs>
+            <a:gs pos="100000">
+              <a:schemeClr val="phClr">
+                <a:tint val="15000"/>
+                <a:satMod val="350000"/>
+              </a:schemeClr>
+            </a:gs>
+          </a:gsLst>
+          <a:lin ang="16200000" scaled="1"/>
+        </a:gradFill>
+        <a:gradFill rotWithShape="1">
+          <a:gsLst>
+            <a:gs pos="0">
+              <a:schemeClr val="phClr">
+                <a:tint val="100000"/>
+                <a:shade val="100000"/>
+                <a:satMod val="130000"/>
+              </a:schemeClr>
+            </a:gs>
+            <a:gs pos="100000">
+              <a:schemeClr val="phClr">
+                <a:tint val="50000"/>
+                <a:shade val="100000"/>
+                <a:satMod val="350000"/>
+              </a:schemeClr>
+            </a:gs>
+          </a:gsLst>
+          <a:lin ang="16200000" scaled="0"/>
+        </a:gradFill>
+      </a:fillStyleLst>
+      <a:lnStyleLst>
+        <a:ln w="9525" cap="flat" cmpd="sng" algn="ctr">
+          <a:solidFill>
+            <a:schemeClr val="phClr">
+              <a:shade val="95000"/>
+              <a:satMod val="105000"/>
+            </a:schemeClr>
+          </a:solidFill>
+          <a:prstDash val="solid"/>
+        </a:ln>
+        <a:ln w="25400" cap="flat" cmpd="sng" algn="ctr">
+          <a:solidFill>
+            <a:schemeClr val="phClr"/>
+          </a:solidFill>
+          <a:prstDash val="solid"/>
+        </a:ln>
+        <a:ln w="38100" cap="flat" cmpd="sng" algn="ctr">
+          <a:solidFill>
+            <a:schemeClr val="phClr"/>
+          </a:solidFill>
+          <a:prstDash val="solid"/>
+        </a:ln>
+      </a:lnStyleLst>
+      <a:effectStyleLst>
+        <a:effectStyle>
+          <a:effectLst>
+            <a:outerShdw blurRad="40000" dist="20000" dir="5400000" rotWithShape="0">
+              <a:srgbClr val="000000">
+                <a:alpha val="38000"/>
+              </a:srgbClr>
+            </a:outerShdw>
+          </a:effectLst>
+        </a:effectStyle>
+        <a:effectStyle>
+          <a:effectLst>
+            <a:outerShdw blurRad="40000" dist="23000" dir="5400000" rotWithShape="0">
+              <a:srgbClr val="000000">
+                <a:alpha val="35000"/>
+              </a:srgbClr>
+            </a:outerShdw>
+          </a:effectLst>
+        </a:effectStyle>
+        <a:effectStyle>
+          <a:effectLst>
+            <a:outerShdw blurRad="40000" dist="23000" dir="5400000" rotWithShape="0">
+              <a:srgbClr val="000000">
+                <a:alpha val="35000"/>
+              </a:srgbClr>
+            </a:outerShdw>
+          </a:effectLst>
+          <a:scene3d>
+            <a:camera prst="orthographicFront">
+              <a:rot lat="0" lon="0" rev="0"/>
+            </a:camera>
+            <a:lightRig rig="threePt" dir="t">
+              <a:rot lat="0" lon="0" rev="1200000"/>
+            </a:lightRig>
+          </a:scene3d>
+          <a:sp3d>
+            <a:bevelT w="63500" h="25400"/>
+          </a:sp3d>
+        </a:effectStyle>
+      </a:effectStyleLst>
+      <a:bgFillStyleLst>
+        <a:solidFill>
+          <a:schemeClr val="phClr"/>
+        </a:solidFill>
+        <a:gradFill rotWithShape="1">
+          <a:gsLst>
+            <a:gs pos="0">
+              <a:schemeClr val="phClr">
+                <a:tint val="40000"/>
+                <a:satMod val="350000"/>
+              </a:schemeClr>
+            </a:gs>
+            <a:gs pos="40000">
+              <a:schemeClr val="phClr">
+                <a:tint val="45000"/>
+                <a:shade val="99000"/>
+                <a:satMod val="350000"/>
+              </a:schemeClr>
+            </a:gs>
+            <a:gs pos="100000">
+              <a:schemeClr val="phClr">
+                <a:shade val="20000"/>
+                <a:satMod val="255000"/>
+              </a:schemeClr>
+            </a:gs>
+          </a:gsLst>
+          <a:path path="circle">
+            <a:fillToRect l="50000" t="-80000" r="50000" b="180000"/>
+          </a:path>
+        </a:gradFill>
+        <a:gradFill rotWithShape="1">
+          <a:gsLst>
+            <a:gs pos="0">
+              <a:schemeClr val="phClr">
+                <a:tint val="80000"/>
+                <a:satMod val="300000"/>
+              </a:schemeClr>
+            </a:gs>
+            <a:gs pos="100000">
+              <a:schemeClr val="phClr">
+                <a:shade val="30000"/>
+                <a:satMod val="200000"/>
+              </a:schemeClr>
+            </a:gs>
+          </a:gsLst>
+          <a:path path="circle">
+            <a:fillToRect l="50000" t="50000" r="50000" b="50000"/>
+          </a:path>
+        </a:gradFill>
+      </a:bgFillStyleLst>
+    </a:fmtScheme>
+  </a:themeElements>
+</a:theme>
+</file>
+
+<file path=ppt/theme/theme2.xml><?xml version="1.0" encoding="utf-8"?>
 <a:theme xmlns:a="http://schemas.openxmlformats.org/drawingml/2006/main" xmlns:r="http://schemas.openxmlformats.org/officeDocument/2006/relationships" name="Office Theme">
   <a:themeElements>
     <a:clrScheme name="Office">
@@ -17949,283 +18298,4 @@
     </a:fmtScheme>
   </a:themeElements>
 </a:theme>
-</file>
-
-<file path=ppt/theme/theme2.xml><?xml version="1.0" encoding="utf-8"?>
-<a:theme xmlns:a="http://schemas.openxmlformats.org/drawingml/2006/main" xmlns:r="http://schemas.openxmlformats.org/officeDocument/2006/relationships" name="Profile">
-  <a:themeElements>
-    <a:clrScheme name="Profile 9">
-      <a:dk1>
-        <a:srgbClr val="000000"/>
-      </a:dk1>
-      <a:lt1>
-        <a:srgbClr val="FFFFFF"/>
-      </a:lt1>
-      <a:dk2>
-        <a:srgbClr val="000000"/>
-      </a:dk2>
-      <a:lt2>
-        <a:srgbClr val="DDDDDD"/>
-      </a:lt2>
-      <a:accent1>
-        <a:srgbClr val="A3B2C1"/>
-      </a:accent1>
-      <a:accent2>
-        <a:srgbClr val="CC0000"/>
-      </a:accent2>
-      <a:accent3>
-        <a:srgbClr val="FFFFFF"/>
-      </a:accent3>
-      <a:accent4>
-        <a:srgbClr val="000000"/>
-      </a:accent4>
-      <a:accent5>
-        <a:srgbClr val="CED5DD"/>
-      </a:accent5>
-      <a:accent6>
-        <a:srgbClr val="B90000"/>
-      </a:accent6>
-      <a:hlink>
-        <a:srgbClr val="336699"/>
-      </a:hlink>
-      <a:folHlink>
-        <a:srgbClr val="003366"/>
-      </a:folHlink>
-    </a:clrScheme>
-    <a:fontScheme name="Office">
-      <a:majorFont>
-        <a:latin typeface="Arial"/>
-        <a:ea typeface=""/>
-        <a:cs typeface=""/>
-        <a:font script="Jpan" typeface="ＭＳ Ｐゴシック"/>
-        <a:font script="Hang" typeface="맑은 고딕"/>
-        <a:font script="Hans" typeface="宋体"/>
-        <a:font script="Hant" typeface="新細明體"/>
-        <a:font script="Arab" typeface="Times New Roman"/>
-        <a:font script="Hebr" typeface="Times New Roman"/>
-        <a:font script="Thai" typeface="Angsana New"/>
-        <a:font script="Ethi" typeface="Nyala"/>
-        <a:font script="Beng" typeface="Vrinda"/>
-        <a:font script="Gujr" typeface="Shruti"/>
-        <a:font script="Khmr" typeface="MoolBoran"/>
-        <a:font script="Knda" typeface="Tunga"/>
-        <a:font script="Guru" typeface="Raavi"/>
-        <a:font script="Cans" typeface="Euphemia"/>
-        <a:font script="Cher" typeface="Plantagenet Cherokee"/>
-        <a:font script="Yiii" typeface="Microsoft Yi Baiti"/>
-        <a:font script="Tibt" typeface="Microsoft Himalaya"/>
-        <a:font script="Thaa" typeface="MV Boli"/>
-        <a:font script="Deva" typeface="Mangal"/>
-        <a:font script="Telu" typeface="Gautami"/>
-        <a:font script="Taml" typeface="Latha"/>
-        <a:font script="Syrc" typeface="Estrangelo Edessa"/>
-        <a:font script="Orya" typeface="Kalinga"/>
-        <a:font script="Mlym" typeface="Kartika"/>
-        <a:font script="Laoo" typeface="DokChampa"/>
-        <a:font script="Sinh" typeface="Iskoola Pota"/>
-        <a:font script="Mong" typeface="Mongolian Baiti"/>
-        <a:font script="Viet" typeface="Times New Roman"/>
-        <a:font script="Uigh" typeface="Microsoft Uighur"/>
-        <a:font script="Geor" typeface="Sylfaen"/>
-      </a:majorFont>
-      <a:minorFont>
-        <a:latin typeface="Arial"/>
-        <a:ea typeface=""/>
-        <a:cs typeface=""/>
-        <a:font script="Jpan" typeface="ＭＳ Ｐゴシック"/>
-        <a:font script="Hang" typeface="맑은 고딕"/>
-        <a:font script="Hans" typeface="宋体"/>
-        <a:font script="Hant" typeface="新細明體"/>
-        <a:font script="Arab" typeface="Arial"/>
-        <a:font script="Hebr" typeface="Arial"/>
-        <a:font script="Thai" typeface="Cordia New"/>
-        <a:font script="Ethi" typeface="Nyala"/>
-        <a:font script="Beng" typeface="Vrinda"/>
-        <a:font script="Gujr" typeface="Shruti"/>
-        <a:font script="Khmr" typeface="DaunPenh"/>
-        <a:font script="Knda" typeface="Tunga"/>
-        <a:font script="Guru" typeface="Raavi"/>
-        <a:font script="Cans" typeface="Euphemia"/>
-        <a:font script="Cher" typeface="Plantagenet Cherokee"/>
-        <a:font script="Yiii" typeface="Microsoft Yi Baiti"/>
-        <a:font script="Tibt" typeface="Microsoft Himalaya"/>
-        <a:font script="Thaa" typeface="MV Boli"/>
-        <a:font script="Deva" typeface="Mangal"/>
-        <a:font script="Telu" typeface="Gautami"/>
-        <a:font script="Taml" typeface="Latha"/>
-        <a:font script="Syrc" typeface="Estrangelo Edessa"/>
-        <a:font script="Orya" typeface="Kalinga"/>
-        <a:font script="Mlym" typeface="Kartika"/>
-        <a:font script="Laoo" typeface="DokChampa"/>
-        <a:font script="Sinh" typeface="Iskoola Pota"/>
-        <a:font script="Mong" typeface="Mongolian Baiti"/>
-        <a:font script="Viet" typeface="Arial"/>
-        <a:font script="Uigh" typeface="Microsoft Uighur"/>
-        <a:font script="Geor" typeface="Sylfaen"/>
-      </a:minorFont>
-    </a:fontScheme>
-    <a:fmtScheme name="Office">
-      <a:fillStyleLst>
-        <a:solidFill>
-          <a:schemeClr val="phClr"/>
-        </a:solidFill>
-        <a:gradFill rotWithShape="1">
-          <a:gsLst>
-            <a:gs pos="0">
-              <a:schemeClr val="phClr">
-                <a:tint val="50000"/>
-                <a:satMod val="300000"/>
-              </a:schemeClr>
-            </a:gs>
-            <a:gs pos="35000">
-              <a:schemeClr val="phClr">
-                <a:tint val="37000"/>
-                <a:satMod val="300000"/>
-              </a:schemeClr>
-            </a:gs>
-            <a:gs pos="100000">
-              <a:schemeClr val="phClr">
-                <a:tint val="15000"/>
-                <a:satMod val="350000"/>
-              </a:schemeClr>
-            </a:gs>
-          </a:gsLst>
-          <a:lin ang="16200000" scaled="1"/>
-        </a:gradFill>
-        <a:gradFill rotWithShape="1">
-          <a:gsLst>
-            <a:gs pos="0">
-              <a:schemeClr val="phClr">
-                <a:tint val="100000"/>
-                <a:shade val="100000"/>
-                <a:satMod val="130000"/>
-              </a:schemeClr>
-            </a:gs>
-            <a:gs pos="100000">
-              <a:schemeClr val="phClr">
-                <a:tint val="50000"/>
-                <a:shade val="100000"/>
-                <a:satMod val="350000"/>
-              </a:schemeClr>
-            </a:gs>
-          </a:gsLst>
-          <a:lin ang="16200000" scaled="0"/>
-        </a:gradFill>
-      </a:fillStyleLst>
-      <a:lnStyleLst>
-        <a:ln w="9525" cap="flat" cmpd="sng" algn="ctr">
-          <a:solidFill>
-            <a:schemeClr val="phClr">
-              <a:shade val="95000"/>
-              <a:satMod val="105000"/>
-            </a:schemeClr>
-          </a:solidFill>
-          <a:prstDash val="solid"/>
-        </a:ln>
-        <a:ln w="25400" cap="flat" cmpd="sng" algn="ctr">
-          <a:solidFill>
-            <a:schemeClr val="phClr"/>
-          </a:solidFill>
-          <a:prstDash val="solid"/>
-        </a:ln>
-        <a:ln w="38100" cap="flat" cmpd="sng" algn="ctr">
-          <a:solidFill>
-            <a:schemeClr val="phClr"/>
-          </a:solidFill>
-          <a:prstDash val="solid"/>
-        </a:ln>
-      </a:lnStyleLst>
-      <a:effectStyleLst>
-        <a:effectStyle>
-          <a:effectLst>
-            <a:outerShdw blurRad="40000" dist="20000" dir="5400000" rotWithShape="0">
-              <a:srgbClr val="000000">
-                <a:alpha val="38000"/>
-              </a:srgbClr>
-            </a:outerShdw>
-          </a:effectLst>
-        </a:effectStyle>
-        <a:effectStyle>
-          <a:effectLst>
-            <a:outerShdw blurRad="40000" dist="23000" dir="5400000" rotWithShape="0">
-              <a:srgbClr val="000000">
-                <a:alpha val="35000"/>
-              </a:srgbClr>
-            </a:outerShdw>
-          </a:effectLst>
-        </a:effectStyle>
-        <a:effectStyle>
-          <a:effectLst>
-            <a:outerShdw blurRad="40000" dist="23000" dir="5400000" rotWithShape="0">
-              <a:srgbClr val="000000">
-                <a:alpha val="35000"/>
-              </a:srgbClr>
-            </a:outerShdw>
-          </a:effectLst>
-          <a:scene3d>
-            <a:camera prst="orthographicFront">
-              <a:rot lat="0" lon="0" rev="0"/>
-            </a:camera>
-            <a:lightRig rig="threePt" dir="t">
-              <a:rot lat="0" lon="0" rev="1200000"/>
-            </a:lightRig>
-          </a:scene3d>
-          <a:sp3d>
-            <a:bevelT w="63500" h="25400"/>
-          </a:sp3d>
-        </a:effectStyle>
-      </a:effectStyleLst>
-      <a:bgFillStyleLst>
-        <a:solidFill>
-          <a:schemeClr val="phClr"/>
-        </a:solidFill>
-        <a:gradFill rotWithShape="1">
-          <a:gsLst>
-            <a:gs pos="0">
-              <a:schemeClr val="phClr">
-                <a:tint val="40000"/>
-                <a:satMod val="350000"/>
-              </a:schemeClr>
-            </a:gs>
-            <a:gs pos="40000">
-              <a:schemeClr val="phClr">
-                <a:tint val="45000"/>
-                <a:shade val="99000"/>
-                <a:satMod val="350000"/>
-              </a:schemeClr>
-            </a:gs>
-            <a:gs pos="100000">
-              <a:schemeClr val="phClr">
-                <a:shade val="20000"/>
-                <a:satMod val="255000"/>
-              </a:schemeClr>
-            </a:gs>
-          </a:gsLst>
-          <a:path path="circle">
-            <a:fillToRect l="50000" t="-80000" r="50000" b="180000"/>
-          </a:path>
-        </a:gradFill>
-        <a:gradFill rotWithShape="1">
-          <a:gsLst>
-            <a:gs pos="0">
-              <a:schemeClr val="phClr">
-                <a:tint val="80000"/>
-                <a:satMod val="300000"/>
-              </a:schemeClr>
-            </a:gs>
-            <a:gs pos="100000">
-              <a:schemeClr val="phClr">
-                <a:shade val="30000"/>
-                <a:satMod val="200000"/>
-              </a:schemeClr>
-            </a:gs>
-          </a:gsLst>
-          <a:path path="circle">
-            <a:fillToRect l="50000" t="50000" r="50000" b="50000"/>
-          </a:path>
-        </a:gradFill>
-      </a:bgFillStyleLst>
-    </a:fmtScheme>
-  </a:themeElements>
-</a:theme>
 </file>